--- a/TEMA Coding.pptx
+++ b/TEMA Coding.pptx
@@ -111,6 +111,11 @@
       </a:defRPr>
     </a:lvl9pPr>
   </p:defaultTextStyle>
+  <p:extLst>
+    <p:ext uri="{EFAFB233-063F-42B5-8137-9DF3F51BA10A}">
+      <p15:sldGuideLst xmlns:p15="http://schemas.microsoft.com/office/powerpoint/2012/main"/>
+    </p:ext>
+  </p:extLst>
 </p:presentation>
 </file>
 
@@ -263,7 +268,7 @@
           <a:p>
             <a:fld id="{DDCFF45B-A8E4-4C04-AAF1-7D8DFB0C17F9}" type="datetimeFigureOut">
               <a:rPr lang="en-GB" smtClean="0"/>
-              <a:t>14/07/2025</a:t>
+              <a:t>16/07/2025</a:t>
             </a:fld>
             <a:endParaRPr lang="en-GB"/>
           </a:p>
@@ -463,7 +468,7 @@
           <a:p>
             <a:fld id="{DDCFF45B-A8E4-4C04-AAF1-7D8DFB0C17F9}" type="datetimeFigureOut">
               <a:rPr lang="en-GB" smtClean="0"/>
-              <a:t>14/07/2025</a:t>
+              <a:t>16/07/2025</a:t>
             </a:fld>
             <a:endParaRPr lang="en-GB"/>
           </a:p>
@@ -673,7 +678,7 @@
           <a:p>
             <a:fld id="{DDCFF45B-A8E4-4C04-AAF1-7D8DFB0C17F9}" type="datetimeFigureOut">
               <a:rPr lang="en-GB" smtClean="0"/>
-              <a:t>14/07/2025</a:t>
+              <a:t>16/07/2025</a:t>
             </a:fld>
             <a:endParaRPr lang="en-GB"/>
           </a:p>
@@ -873,7 +878,7 @@
           <a:p>
             <a:fld id="{DDCFF45B-A8E4-4C04-AAF1-7D8DFB0C17F9}" type="datetimeFigureOut">
               <a:rPr lang="en-GB" smtClean="0"/>
-              <a:t>14/07/2025</a:t>
+              <a:t>16/07/2025</a:t>
             </a:fld>
             <a:endParaRPr lang="en-GB"/>
           </a:p>
@@ -1149,7 +1154,7 @@
           <a:p>
             <a:fld id="{DDCFF45B-A8E4-4C04-AAF1-7D8DFB0C17F9}" type="datetimeFigureOut">
               <a:rPr lang="en-GB" smtClean="0"/>
-              <a:t>14/07/2025</a:t>
+              <a:t>16/07/2025</a:t>
             </a:fld>
             <a:endParaRPr lang="en-GB"/>
           </a:p>
@@ -1417,7 +1422,7 @@
           <a:p>
             <a:fld id="{DDCFF45B-A8E4-4C04-AAF1-7D8DFB0C17F9}" type="datetimeFigureOut">
               <a:rPr lang="en-GB" smtClean="0"/>
-              <a:t>14/07/2025</a:t>
+              <a:t>16/07/2025</a:t>
             </a:fld>
             <a:endParaRPr lang="en-GB"/>
           </a:p>
@@ -1832,7 +1837,7 @@
           <a:p>
             <a:fld id="{DDCFF45B-A8E4-4C04-AAF1-7D8DFB0C17F9}" type="datetimeFigureOut">
               <a:rPr lang="en-GB" smtClean="0"/>
-              <a:t>14/07/2025</a:t>
+              <a:t>16/07/2025</a:t>
             </a:fld>
             <a:endParaRPr lang="en-GB"/>
           </a:p>
@@ -1974,7 +1979,7 @@
           <a:p>
             <a:fld id="{DDCFF45B-A8E4-4C04-AAF1-7D8DFB0C17F9}" type="datetimeFigureOut">
               <a:rPr lang="en-GB" smtClean="0"/>
-              <a:t>14/07/2025</a:t>
+              <a:t>16/07/2025</a:t>
             </a:fld>
             <a:endParaRPr lang="en-GB"/>
           </a:p>
@@ -2087,7 +2092,7 @@
           <a:p>
             <a:fld id="{DDCFF45B-A8E4-4C04-AAF1-7D8DFB0C17F9}" type="datetimeFigureOut">
               <a:rPr lang="en-GB" smtClean="0"/>
-              <a:t>14/07/2025</a:t>
+              <a:t>16/07/2025</a:t>
             </a:fld>
             <a:endParaRPr lang="en-GB"/>
           </a:p>
@@ -2400,7 +2405,7 @@
           <a:p>
             <a:fld id="{DDCFF45B-A8E4-4C04-AAF1-7D8DFB0C17F9}" type="datetimeFigureOut">
               <a:rPr lang="en-GB" smtClean="0"/>
-              <a:t>14/07/2025</a:t>
+              <a:t>16/07/2025</a:t>
             </a:fld>
             <a:endParaRPr lang="en-GB"/>
           </a:p>
@@ -2689,7 +2694,7 @@
           <a:p>
             <a:fld id="{DDCFF45B-A8E4-4C04-AAF1-7D8DFB0C17F9}" type="datetimeFigureOut">
               <a:rPr lang="en-GB" smtClean="0"/>
-              <a:t>14/07/2025</a:t>
+              <a:t>16/07/2025</a:t>
             </a:fld>
             <a:endParaRPr lang="en-GB"/>
           </a:p>
@@ -2932,7 +2937,7 @@
           <a:p>
             <a:fld id="{DDCFF45B-A8E4-4C04-AAF1-7D8DFB0C17F9}" type="datetimeFigureOut">
               <a:rPr lang="en-GB" smtClean="0"/>
-              <a:t>14/07/2025</a:t>
+              <a:t>16/07/2025</a:t>
             </a:fld>
             <a:endParaRPr lang="en-GB"/>
           </a:p>
@@ -3756,7 +3761,7 @@
           <a:p>
             <a:r>
               <a:rPr lang="en-GB" dirty="0"/>
-              <a:t>There only one number that is the most frequent.</a:t>
+              <a:t>There’s only one number that is the most frequent.</a:t>
             </a:r>
           </a:p>
           <a:p>
@@ -3789,7 +3794,7 @@
           <a:p>
             <a:r>
               <a:rPr lang="en-GB" dirty="0"/>
-              <a:t>This number can be done in multiple ways, but some ways are less efficient. One way it can be done is by sorting the array, using </a:t>
+              <a:t>This number can be done in multiple ways, but some ways are less efficient. One way it can be done is by sorting the array first, using </a:t>
             </a:r>
             <a:r>
               <a:rPr lang="en-GB" dirty="0" err="1">
@@ -4750,7 +4755,7 @@
         </p:nvSpPr>
         <p:spPr>
           <a:xfrm>
-            <a:off x="3219450" y="4676775"/>
+            <a:off x="1343025" y="5715298"/>
             <a:ext cx="2495550" cy="923330"/>
           </a:xfrm>
           <a:prstGeom prst="rect">
@@ -4914,6 +4919,115 @@
           </a:prstGeom>
         </p:spPr>
       </p:pic>
+      <p:cxnSp>
+        <p:nvCxnSpPr>
+          <p:cNvPr id="5" name="Straight Arrow Connector 4">
+            <a:extLst>
+              <a:ext uri="{FF2B5EF4-FFF2-40B4-BE49-F238E27FC236}">
+                <a16:creationId xmlns:a16="http://schemas.microsoft.com/office/drawing/2014/main" id="{58206156-69C5-16C0-71AF-4494D0838181}"/>
+              </a:ext>
+            </a:extLst>
+          </p:cNvPr>
+          <p:cNvCxnSpPr/>
+          <p:nvPr/>
+        </p:nvCxnSpPr>
+        <p:spPr>
+          <a:xfrm flipH="1">
+            <a:off x="7543800" y="1943100"/>
+            <a:ext cx="1724025" cy="1009650"/>
+          </a:xfrm>
+          <a:prstGeom prst="straightConnector1">
+            <a:avLst/>
+          </a:prstGeom>
+          <a:ln>
+            <a:tailEnd type="triangle"/>
+          </a:ln>
+        </p:spPr>
+        <p:style>
+          <a:lnRef idx="2">
+            <a:schemeClr val="accent1"/>
+          </a:lnRef>
+          <a:fillRef idx="0">
+            <a:schemeClr val="accent1"/>
+          </a:fillRef>
+          <a:effectRef idx="1">
+            <a:schemeClr val="accent1"/>
+          </a:effectRef>
+          <a:fontRef idx="minor">
+            <a:schemeClr val="tx1"/>
+          </a:fontRef>
+        </p:style>
+      </p:cxnSp>
+      <p:sp>
+        <p:nvSpPr>
+          <p:cNvPr id="6" name="TextBox 5">
+            <a:extLst>
+              <a:ext uri="{FF2B5EF4-FFF2-40B4-BE49-F238E27FC236}">
+                <a16:creationId xmlns:a16="http://schemas.microsoft.com/office/drawing/2014/main" id="{FFF8370F-641C-F8D8-4BE1-7DE5BBDEFBAC}"/>
+              </a:ext>
+            </a:extLst>
+          </p:cNvPr>
+          <p:cNvSpPr txBox="1"/>
+          <p:nvPr/>
+        </p:nvSpPr>
+        <p:spPr>
+          <a:xfrm>
+            <a:off x="7820025" y="933450"/>
+            <a:ext cx="3533775" cy="1200329"/>
+          </a:xfrm>
+          <a:prstGeom prst="rect">
+            <a:avLst/>
+          </a:prstGeom>
+          <a:noFill/>
+        </p:spPr>
+        <p:txBody>
+          <a:bodyPr wrap="square" rtlCol="0">
+            <a:spAutoFit/>
+          </a:bodyPr>
+          <a:lstStyle/>
+          <a:p>
+            <a:r>
+              <a:rPr lang="en-GB" dirty="0"/>
+              <a:t>May not work in some programming languages, since we are creating a list with 2,000,001 elements.</a:t>
+            </a:r>
+          </a:p>
+        </p:txBody>
+      </p:sp>
+      <p:sp>
+        <p:nvSpPr>
+          <p:cNvPr id="8" name="TextBox 7">
+            <a:extLst>
+              <a:ext uri="{FF2B5EF4-FFF2-40B4-BE49-F238E27FC236}">
+                <a16:creationId xmlns:a16="http://schemas.microsoft.com/office/drawing/2014/main" id="{BBA4F98A-D5FA-F6D3-05A2-EA7978C2F778}"/>
+              </a:ext>
+            </a:extLst>
+          </p:cNvPr>
+          <p:cNvSpPr txBox="1"/>
+          <p:nvPr/>
+        </p:nvSpPr>
+        <p:spPr>
+          <a:xfrm>
+            <a:off x="7753350" y="6165741"/>
+            <a:ext cx="3895725" cy="646331"/>
+          </a:xfrm>
+          <a:prstGeom prst="rect">
+            <a:avLst/>
+          </a:prstGeom>
+          <a:noFill/>
+        </p:spPr>
+        <p:txBody>
+          <a:bodyPr wrap="square" rtlCol="0">
+            <a:spAutoFit/>
+          </a:bodyPr>
+          <a:lstStyle/>
+          <a:p>
+            <a:r>
+              <a:rPr lang="en-GB" dirty="0"/>
+              <a:t>Syntax is somewhat inconsistent, since I wrote this a while ago</a:t>
+            </a:r>
+          </a:p>
+        </p:txBody>
+      </p:sp>
     </p:spTree>
     <p:extLst>
       <p:ext uri="{BB962C8B-B14F-4D97-AF65-F5344CB8AC3E}">
@@ -5243,6 +5357,23 @@
 </file>
 
 <file path=customXml/item1.xml><?xml version="1.0" encoding="utf-8"?>
+<p:properties xmlns:p="http://schemas.microsoft.com/office/2006/metadata/properties" xmlns:xsi="http://www.w3.org/2001/XMLSchema-instance" xmlns:pc="http://schemas.microsoft.com/office/infopath/2007/PartnerControls">
+  <documentManagement>
+    <_activity xmlns="53d31ed4-786a-40fa-9c6c-ff482639379c" xsi:nil="true"/>
+  </documentManagement>
+</p:properties>
+</file>
+
+<file path=customXml/item2.xml><?xml version="1.0" encoding="utf-8"?>
+<?mso-contentType ?>
+<FormTemplates xmlns="http://schemas.microsoft.com/sharepoint/v3/contenttype/forms">
+  <Display>DocumentLibraryForm</Display>
+  <Edit>DocumentLibraryForm</Edit>
+  <New>DocumentLibraryForm</New>
+</FormTemplates>
+</file>
+
+<file path=customXml/item3.xml><?xml version="1.0" encoding="utf-8"?>
 <ct:contentTypeSchema xmlns:ct="http://schemas.microsoft.com/office/2006/metadata/contentType" xmlns:ma="http://schemas.microsoft.com/office/2006/metadata/properties/metaAttributes" ct:_="" ma:_="" ma:contentTypeName="Document" ma:contentTypeID="0x010100E27AE1D20F5EF74CA62C7C19B87DFE95" ma:contentTypeVersion="6" ma:contentTypeDescription="Create a new document." ma:contentTypeScope="" ma:versionID="b37a43a1b84b9f8c46696b5bf2577917">
   <xsd:schema xmlns:xsd="http://www.w3.org/2001/XMLSchema" xmlns:xs="http://www.w3.org/2001/XMLSchema" xmlns:p="http://schemas.microsoft.com/office/2006/metadata/properties" xmlns:ns3="53d31ed4-786a-40fa-9c6c-ff482639379c" targetNamespace="http://schemas.microsoft.com/office/2006/metadata/properties" ma:root="true" ma:fieldsID="ee322946e48e04861de9210fd396220d" ns3:_="">
     <xsd:import namespace="53d31ed4-786a-40fa-9c6c-ff482639379c"/>
@@ -5398,24 +5529,31 @@
 </ct:contentTypeSchema>
 </file>
 
-<file path=customXml/item2.xml><?xml version="1.0" encoding="utf-8"?>
-<?mso-contentType ?>
-<FormTemplates xmlns="http://schemas.microsoft.com/sharepoint/v3/contenttype/forms">
-  <Display>DocumentLibraryForm</Display>
-  <Edit>DocumentLibraryForm</Edit>
-  <New>DocumentLibraryForm</New>
-</FormTemplates>
+<file path=customXml/itemProps1.xml><?xml version="1.0" encoding="utf-8"?>
+<ds:datastoreItem xmlns:ds="http://schemas.openxmlformats.org/officeDocument/2006/customXml" ds:itemID="{D5FB8440-39C9-4D88-89A1-A8B3C2A78A57}">
+  <ds:schemaRefs>
+    <ds:schemaRef ds:uri="http://www.w3.org/XML/1998/namespace"/>
+    <ds:schemaRef ds:uri="http://schemas.microsoft.com/office/infopath/2007/PartnerControls"/>
+    <ds:schemaRef ds:uri="http://purl.org/dc/dcmitype/"/>
+    <ds:schemaRef ds:uri="http://purl.org/dc/elements/1.1/"/>
+    <ds:schemaRef ds:uri="http://schemas.microsoft.com/office/2006/documentManagement/types"/>
+    <ds:schemaRef ds:uri="http://schemas.openxmlformats.org/package/2006/metadata/core-properties"/>
+    <ds:schemaRef ds:uri="53d31ed4-786a-40fa-9c6c-ff482639379c"/>
+    <ds:schemaRef ds:uri="http://schemas.microsoft.com/office/2006/metadata/properties"/>
+    <ds:schemaRef ds:uri="http://purl.org/dc/terms/"/>
+  </ds:schemaRefs>
+</ds:datastoreItem>
 </file>
 
-<file path=customXml/item3.xml><?xml version="1.0" encoding="utf-8"?>
-<p:properties xmlns:p="http://schemas.microsoft.com/office/2006/metadata/properties" xmlns:xsi="http://www.w3.org/2001/XMLSchema-instance" xmlns:pc="http://schemas.microsoft.com/office/infopath/2007/PartnerControls">
-  <documentManagement>
-    <_activity xmlns="53d31ed4-786a-40fa-9c6c-ff482639379c" xsi:nil="true"/>
-  </documentManagement>
-</p:properties>
+<file path=customXml/itemProps2.xml><?xml version="1.0" encoding="utf-8"?>
+<ds:datastoreItem xmlns:ds="http://schemas.openxmlformats.org/officeDocument/2006/customXml" ds:itemID="{337B9A00-591B-477C-A566-951D6B7F7499}">
+  <ds:schemaRefs>
+    <ds:schemaRef ds:uri="http://schemas.microsoft.com/sharepoint/v3/contenttype/forms"/>
+  </ds:schemaRefs>
+</ds:datastoreItem>
 </file>
 
-<file path=customXml/itemProps1.xml><?xml version="1.0" encoding="utf-8"?>
+<file path=customXml/itemProps3.xml><?xml version="1.0" encoding="utf-8"?>
 <ds:datastoreItem xmlns:ds="http://schemas.openxmlformats.org/officeDocument/2006/customXml" ds:itemID="{3B25C2E9-9B93-4A44-9298-67E9E4D0E12C}">
   <ds:schemaRefs>
     <ds:schemaRef ds:uri="http://schemas.microsoft.com/office/2006/metadata/contentType"/>
@@ -5431,28 +5569,4 @@
     <ds:schemaRef ds:uri="http://schemas.microsoft.com/internal/obd"/>
   </ds:schemaRefs>
 </ds:datastoreItem>
-</file>
-
-<file path=customXml/itemProps2.xml><?xml version="1.0" encoding="utf-8"?>
-<ds:datastoreItem xmlns:ds="http://schemas.openxmlformats.org/officeDocument/2006/customXml" ds:itemID="{337B9A00-591B-477C-A566-951D6B7F7499}">
-  <ds:schemaRefs>
-    <ds:schemaRef ds:uri="http://schemas.microsoft.com/sharepoint/v3/contenttype/forms"/>
-  </ds:schemaRefs>
-</ds:datastoreItem>
-</file>
-
-<file path=customXml/itemProps3.xml><?xml version="1.0" encoding="utf-8"?>
-<ds:datastoreItem xmlns:ds="http://schemas.openxmlformats.org/officeDocument/2006/customXml" ds:itemID="{D5FB8440-39C9-4D88-89A1-A8B3C2A78A57}">
-  <ds:schemaRefs>
-    <ds:schemaRef ds:uri="http://www.w3.org/XML/1998/namespace"/>
-    <ds:schemaRef ds:uri="http://schemas.microsoft.com/office/infopath/2007/PartnerControls"/>
-    <ds:schemaRef ds:uri="http://purl.org/dc/dcmitype/"/>
-    <ds:schemaRef ds:uri="http://purl.org/dc/elements/1.1/"/>
-    <ds:schemaRef ds:uri="http://schemas.microsoft.com/office/2006/documentManagement/types"/>
-    <ds:schemaRef ds:uri="http://schemas.openxmlformats.org/package/2006/metadata/core-properties"/>
-    <ds:schemaRef ds:uri="53d31ed4-786a-40fa-9c6c-ff482639379c"/>
-    <ds:schemaRef ds:uri="http://schemas.microsoft.com/office/2006/metadata/properties"/>
-    <ds:schemaRef ds:uri="http://purl.org/dc/terms/"/>
-  </ds:schemaRefs>
-</ds:datastoreItem>
 </file>